--- a/application/ide/coderun/architecture_coderunner.pptx
+++ b/application/ide/coderun/architecture_coderunner.pptx
@@ -105,6 +105,11 @@
       </a:defRPr>
     </a:lvl9pPr>
   </p:defaultTextStyle>
+  <p:extLst>
+    <p:ext uri="{EFAFB233-063F-42B5-8137-9DF3F51BA10A}">
+      <p15:sldGuideLst xmlns:p15="http://schemas.microsoft.com/office/powerpoint/2012/main"/>
+    </p:ext>
+  </p:extLst>
 </p:presentation>
 </file>
 
@@ -239,7 +244,7 @@
           <a:p>
             <a:fld id="{29E6F834-4839-42FE-9F8F-44B597CA847C}" type="datetimeFigureOut">
               <a:rPr lang="fr-FR" smtClean="0"/>
-              <a:t>22/07/2016</a:t>
+              <a:t>27/07/2016</a:t>
             </a:fld>
             <a:endParaRPr lang="fr-FR"/>
           </a:p>
@@ -409,7 +414,7 @@
           <a:p>
             <a:fld id="{29E6F834-4839-42FE-9F8F-44B597CA847C}" type="datetimeFigureOut">
               <a:rPr lang="fr-FR" smtClean="0"/>
-              <a:t>22/07/2016</a:t>
+              <a:t>27/07/2016</a:t>
             </a:fld>
             <a:endParaRPr lang="fr-FR"/>
           </a:p>
@@ -589,7 +594,7 @@
           <a:p>
             <a:fld id="{29E6F834-4839-42FE-9F8F-44B597CA847C}" type="datetimeFigureOut">
               <a:rPr lang="fr-FR" smtClean="0"/>
-              <a:t>22/07/2016</a:t>
+              <a:t>27/07/2016</a:t>
             </a:fld>
             <a:endParaRPr lang="fr-FR"/>
           </a:p>
@@ -759,7 +764,7 @@
           <a:p>
             <a:fld id="{29E6F834-4839-42FE-9F8F-44B597CA847C}" type="datetimeFigureOut">
               <a:rPr lang="fr-FR" smtClean="0"/>
-              <a:t>22/07/2016</a:t>
+              <a:t>27/07/2016</a:t>
             </a:fld>
             <a:endParaRPr lang="fr-FR"/>
           </a:p>
@@ -1005,7 +1010,7 @@
           <a:p>
             <a:fld id="{29E6F834-4839-42FE-9F8F-44B597CA847C}" type="datetimeFigureOut">
               <a:rPr lang="fr-FR" smtClean="0"/>
-              <a:t>22/07/2016</a:t>
+              <a:t>27/07/2016</a:t>
             </a:fld>
             <a:endParaRPr lang="fr-FR"/>
           </a:p>
@@ -1237,7 +1242,7 @@
           <a:p>
             <a:fld id="{29E6F834-4839-42FE-9F8F-44B597CA847C}" type="datetimeFigureOut">
               <a:rPr lang="fr-FR" smtClean="0"/>
-              <a:t>22/07/2016</a:t>
+              <a:t>27/07/2016</a:t>
             </a:fld>
             <a:endParaRPr lang="fr-FR"/>
           </a:p>
@@ -1604,7 +1609,7 @@
           <a:p>
             <a:fld id="{29E6F834-4839-42FE-9F8F-44B597CA847C}" type="datetimeFigureOut">
               <a:rPr lang="fr-FR" smtClean="0"/>
-              <a:t>22/07/2016</a:t>
+              <a:t>27/07/2016</a:t>
             </a:fld>
             <a:endParaRPr lang="fr-FR"/>
           </a:p>
@@ -1722,7 +1727,7 @@
           <a:p>
             <a:fld id="{29E6F834-4839-42FE-9F8F-44B597CA847C}" type="datetimeFigureOut">
               <a:rPr lang="fr-FR" smtClean="0"/>
-              <a:t>22/07/2016</a:t>
+              <a:t>27/07/2016</a:t>
             </a:fld>
             <a:endParaRPr lang="fr-FR"/>
           </a:p>
@@ -1817,7 +1822,7 @@
           <a:p>
             <a:fld id="{29E6F834-4839-42FE-9F8F-44B597CA847C}" type="datetimeFigureOut">
               <a:rPr lang="fr-FR" smtClean="0"/>
-              <a:t>22/07/2016</a:t>
+              <a:t>27/07/2016</a:t>
             </a:fld>
             <a:endParaRPr lang="fr-FR"/>
           </a:p>
@@ -2094,7 +2099,7 @@
           <a:p>
             <a:fld id="{29E6F834-4839-42FE-9F8F-44B597CA847C}" type="datetimeFigureOut">
               <a:rPr lang="fr-FR" smtClean="0"/>
-              <a:t>22/07/2016</a:t>
+              <a:t>27/07/2016</a:t>
             </a:fld>
             <a:endParaRPr lang="fr-FR"/>
           </a:p>
@@ -2347,7 +2352,7 @@
           <a:p>
             <a:fld id="{29E6F834-4839-42FE-9F8F-44B597CA847C}" type="datetimeFigureOut">
               <a:rPr lang="fr-FR" smtClean="0"/>
-              <a:t>22/07/2016</a:t>
+              <a:t>27/07/2016</a:t>
             </a:fld>
             <a:endParaRPr lang="fr-FR"/>
           </a:p>
@@ -2560,7 +2565,7 @@
           <a:p>
             <a:fld id="{29E6F834-4839-42FE-9F8F-44B597CA847C}" type="datetimeFigureOut">
               <a:rPr lang="fr-FR" smtClean="0"/>
-              <a:t>22/07/2016</a:t>
+              <a:t>27/07/2016</a:t>
             </a:fld>
             <a:endParaRPr lang="fr-FR"/>
           </a:p>
@@ -3763,15 +3768,7 @@
                     <a:srgbClr val="006600"/>
                   </a:solidFill>
                 </a:rPr>
-                <a:t>      </a:t>
-              </a:r>
-              <a:r>
-                <a:rPr lang="fr-FR" sz="1200" dirty="0" smtClean="0">
-                  <a:solidFill>
-                    <a:srgbClr val="006600"/>
-                  </a:solidFill>
-                </a:rPr>
-                <a:t>_</a:t>
+                <a:t>      _</a:t>
               </a:r>
               <a:r>
                 <a:rPr lang="fr-FR" sz="1200" dirty="0" err="1" smtClean="0">
@@ -5005,6 +5002,36 @@
           </a:fontRef>
         </p:style>
       </p:cxnSp>
+      <p:sp>
+        <p:nvSpPr>
+          <p:cNvPr id="2" name="ZoneTexte 1"/>
+          <p:cNvSpPr txBox="1"/>
+          <p:nvPr/>
+        </p:nvSpPr>
+        <p:spPr>
+          <a:xfrm>
+            <a:off x="723900" y="4461863"/>
+            <a:ext cx="652743" cy="369332"/>
+          </a:xfrm>
+          <a:prstGeom prst="rect">
+            <a:avLst/>
+          </a:prstGeom>
+          <a:noFill/>
+        </p:spPr>
+        <p:txBody>
+          <a:bodyPr wrap="none" rtlCol="0">
+            <a:spAutoFit/>
+          </a:bodyPr>
+          <a:lstStyle/>
+          <a:p>
+            <a:r>
+              <a:rPr lang="fr-FR" b="1" dirty="0" smtClean="0"/>
+              <a:t>2014</a:t>
+            </a:r>
+            <a:endParaRPr lang="fr-FR" b="1" dirty="0"/>
+          </a:p>
+        </p:txBody>
+      </p:sp>
     </p:spTree>
     <p:extLst>
       <p:ext uri="{BB962C8B-B14F-4D97-AF65-F5344CB8AC3E}">
@@ -5101,7 +5128,7 @@
         <p:spPr>
           <a:xfrm>
             <a:off x="104501" y="69666"/>
-            <a:ext cx="2746649" cy="338554"/>
+            <a:ext cx="2346220" cy="338554"/>
           </a:xfrm>
           <a:prstGeom prst="rect">
             <a:avLst/>
@@ -5115,12 +5142,12 @@
           <a:lstStyle/>
           <a:p>
             <a:r>
-              <a:rPr lang="fr-FR" sz="1600" b="1" dirty="0" smtClean="0">
+              <a:rPr lang="fr-FR" sz="1600" b="1" dirty="0" err="1" smtClean="0">
                 <a:solidFill>
                   <a:srgbClr val="0000FF"/>
                 </a:solidFill>
               </a:rPr>
-              <a:t>MULTIPROCESS CODERUNNER</a:t>
+              <a:t>MultiprocessCodeRunner</a:t>
             </a:r>
             <a:endParaRPr lang="fr-FR" sz="1600" b="1" dirty="0">
               <a:solidFill>
@@ -5139,7 +5166,7 @@
         <p:spPr>
           <a:xfrm>
             <a:off x="104501" y="357048"/>
-            <a:ext cx="1792350" cy="307777"/>
+            <a:ext cx="2820965" cy="954107"/>
           </a:xfrm>
           <a:prstGeom prst="rect">
             <a:avLst/>
@@ -5184,6 +5211,102 @@
               </a:rPr>
               <a:t>codeProcess</a:t>
             </a:r>
+            <a:endParaRPr lang="fr-FR" sz="1400" dirty="0" smtClean="0">
+              <a:solidFill>
+                <a:srgbClr val="0000FF"/>
+              </a:solidFill>
+            </a:endParaRPr>
+          </a:p>
+          <a:p>
+            <a:r>
+              <a:rPr lang="fr-FR" sz="1400" b="1" dirty="0">
+                <a:solidFill>
+                  <a:srgbClr val="0000FF"/>
+                </a:solidFill>
+              </a:rPr>
+              <a:t>_</a:t>
+            </a:r>
+            <a:r>
+              <a:rPr lang="fr-FR" sz="1400" b="1" dirty="0" err="1" smtClean="0">
+                <a:solidFill>
+                  <a:srgbClr val="0000FF"/>
+                </a:solidFill>
+              </a:rPr>
+              <a:t>callbackQueue</a:t>
+            </a:r>
+            <a:r>
+              <a:rPr lang="fr-FR" sz="1400" b="1" dirty="0">
+                <a:solidFill>
+                  <a:srgbClr val="0000FF"/>
+                </a:solidFill>
+              </a:rPr>
+              <a:t>, _</a:t>
+            </a:r>
+            <a:r>
+              <a:rPr lang="fr-FR" sz="1400" b="1" dirty="0" err="1">
+                <a:solidFill>
+                  <a:srgbClr val="0000FF"/>
+                </a:solidFill>
+              </a:rPr>
+              <a:t>callbackDict</a:t>
+            </a:r>
+            <a:r>
+              <a:rPr lang="fr-FR" sz="1400" b="1" dirty="0">
+                <a:solidFill>
+                  <a:srgbClr val="0000FF"/>
+                </a:solidFill>
+              </a:rPr>
+              <a:t> = </a:t>
+            </a:r>
+            <a:r>
+              <a:rPr lang="fr-FR" sz="1400" b="1" dirty="0" smtClean="0">
+                <a:solidFill>
+                  <a:srgbClr val="0000FF"/>
+                </a:solidFill>
+              </a:rPr>
+              <a:t>{}</a:t>
+            </a:r>
+          </a:p>
+          <a:p>
+            <a:r>
+              <a:rPr lang="fr-FR" sz="1400" dirty="0">
+                <a:solidFill>
+                  <a:srgbClr val="006600"/>
+                </a:solidFill>
+              </a:rPr>
+              <a:t>_</a:t>
+            </a:r>
+            <a:r>
+              <a:rPr lang="fr-FR" sz="1400" dirty="0" err="1">
+                <a:solidFill>
+                  <a:srgbClr val="006600"/>
+                </a:solidFill>
+              </a:rPr>
+              <a:t>commandQueue</a:t>
+            </a:r>
+            <a:r>
+              <a:rPr lang="fr-FR" sz="1400" dirty="0">
+                <a:solidFill>
+                  <a:srgbClr val="006600"/>
+                </a:solidFill>
+              </a:rPr>
+              <a:t>, _</a:t>
+            </a:r>
+            <a:r>
+              <a:rPr lang="fr-FR" sz="1400" dirty="0" err="1">
+                <a:solidFill>
+                  <a:srgbClr val="006600"/>
+                </a:solidFill>
+              </a:rPr>
+              <a:t>responseQueue</a:t>
+            </a:r>
+            <a:endParaRPr lang="fr-FR" sz="1400" b="1" dirty="0" smtClean="0">
+              <a:solidFill>
+                <a:srgbClr val="0000FF"/>
+              </a:solidFill>
+            </a:endParaRPr>
+          </a:p>
+          <a:p>
             <a:endParaRPr lang="fr-FR" sz="1400" dirty="0">
               <a:solidFill>
                 <a:srgbClr val="0000FF"/>
@@ -5200,8 +5323,8 @@
         </p:nvSpPr>
         <p:spPr>
           <a:xfrm>
-            <a:off x="104501" y="695602"/>
-            <a:ext cx="3420680" cy="1323439"/>
+            <a:off x="104501" y="1038502"/>
+            <a:ext cx="3459345" cy="1938992"/>
           </a:xfrm>
           <a:prstGeom prst="rect">
             <a:avLst/>
@@ -5233,6 +5356,108 @@
           </a:p>
           <a:p>
             <a:r>
+              <a:rPr lang="fr-FR" sz="1200" dirty="0">
+                <a:solidFill>
+                  <a:srgbClr val="0000FF"/>
+                </a:solidFill>
+              </a:rPr>
+              <a:t> </a:t>
+            </a:r>
+            <a:r>
+              <a:rPr lang="fr-FR" sz="1200" dirty="0" smtClean="0">
+                <a:solidFill>
+                  <a:srgbClr val="0000FF"/>
+                </a:solidFill>
+              </a:rPr>
+              <a:t>   _</a:t>
+            </a:r>
+            <a:r>
+              <a:rPr lang="fr-FR" sz="1200" dirty="0" err="1" smtClean="0">
+                <a:solidFill>
+                  <a:srgbClr val="0000FF"/>
+                </a:solidFill>
+              </a:rPr>
+              <a:t>codeProcess</a:t>
+            </a:r>
+            <a:r>
+              <a:rPr lang="fr-FR" sz="1200" dirty="0" smtClean="0">
+                <a:solidFill>
+                  <a:srgbClr val="0000FF"/>
+                </a:solidFill>
+              </a:rPr>
+              <a:t> </a:t>
+            </a:r>
+            <a:r>
+              <a:rPr lang="fr-FR" sz="1200" dirty="0">
+                <a:solidFill>
+                  <a:srgbClr val="0000FF"/>
+                </a:solidFill>
+              </a:rPr>
+              <a:t>= </a:t>
+            </a:r>
+            <a:r>
+              <a:rPr lang="fr-FR" sz="1200" dirty="0" err="1">
+                <a:solidFill>
+                  <a:srgbClr val="0000FF"/>
+                </a:solidFill>
+              </a:rPr>
+              <a:t>CodeProcess</a:t>
+            </a:r>
+            <a:r>
+              <a:rPr lang="fr-FR" sz="1200" dirty="0" smtClean="0">
+                <a:solidFill>
+                  <a:srgbClr val="0000FF"/>
+                </a:solidFill>
+              </a:rPr>
+              <a:t>(_</a:t>
+            </a:r>
+            <a:r>
+              <a:rPr lang="fr-FR" sz="1200" dirty="0" err="1">
+                <a:solidFill>
+                  <a:srgbClr val="0000FF"/>
+                </a:solidFill>
+              </a:rPr>
+              <a:t>gv</a:t>
+            </a:r>
+            <a:r>
+              <a:rPr lang="fr-FR" sz="1200" dirty="0" smtClean="0">
+                <a:solidFill>
+                  <a:srgbClr val="0000FF"/>
+                </a:solidFill>
+              </a:rPr>
+              <a:t>,_</a:t>
+            </a:r>
+            <a:r>
+              <a:rPr lang="fr-FR" sz="1200" dirty="0" err="1">
+                <a:solidFill>
+                  <a:srgbClr val="0000FF"/>
+                </a:solidFill>
+              </a:rPr>
+              <a:t>callbackQueue</a:t>
+            </a:r>
+            <a:r>
+              <a:rPr lang="fr-FR" sz="1200" dirty="0">
+                <a:solidFill>
+                  <a:srgbClr val="0000FF"/>
+                </a:solidFill>
+              </a:rPr>
+              <a:t>)</a:t>
+            </a:r>
+            <a:endParaRPr lang="fr-FR" sz="1200" dirty="0" smtClean="0">
+              <a:solidFill>
+                <a:srgbClr val="0000FF"/>
+              </a:solidFill>
+            </a:endParaRPr>
+          </a:p>
+          <a:p>
+            <a:endParaRPr lang="fr-FR" sz="1400" dirty="0" smtClean="0">
+              <a:solidFill>
+                <a:srgbClr val="0000FF"/>
+              </a:solidFill>
+            </a:endParaRPr>
+          </a:p>
+          <a:p>
+            <a:r>
               <a:rPr lang="fr-FR" sz="1400" dirty="0" err="1" smtClean="0">
                 <a:solidFill>
                   <a:srgbClr val="0000FF"/>
@@ -5250,6 +5475,13 @@
             </a:r>
           </a:p>
           <a:p>
+            <a:endParaRPr lang="fr-FR" sz="1400" dirty="0" smtClean="0">
+              <a:solidFill>
+                <a:srgbClr val="0000FF"/>
+              </a:solidFill>
+            </a:endParaRPr>
+          </a:p>
+          <a:p>
             <a:r>
               <a:rPr lang="fr-FR" sz="1400" dirty="0" err="1" smtClean="0">
                 <a:solidFill>
@@ -5264,7 +5496,15 @@
                   <a:srgbClr val="0000FF"/>
                 </a:solidFill>
               </a:rPr>
-              <a:t>(command,*</a:t>
+              <a:t>(command</a:t>
+            </a:r>
+            <a:r>
+              <a:rPr lang="fr-FR" sz="1400" dirty="0" smtClean="0">
+                <a:solidFill>
+                  <a:srgbClr val="0000FF"/>
+                </a:solidFill>
+              </a:rPr>
+              <a:t>,*</a:t>
             </a:r>
             <a:r>
               <a:rPr lang="fr-FR" sz="1400" dirty="0" err="1" smtClean="0">
@@ -5422,7 +5662,15 @@
                   <a:srgbClr val="006600"/>
                 </a:solidFill>
               </a:rPr>
-              <a:t>(timeout)</a:t>
+              <a:t>(timeout</a:t>
+            </a:r>
+            <a:r>
+              <a:rPr lang="fr-FR" sz="1200" dirty="0" smtClean="0">
+                <a:solidFill>
+                  <a:srgbClr val="006600"/>
+                </a:solidFill>
+              </a:rPr>
+              <a:t>)</a:t>
             </a:r>
           </a:p>
         </p:txBody>
@@ -5435,8 +5683,8 @@
         </p:nvGrpSpPr>
         <p:grpSpPr>
           <a:xfrm>
-            <a:off x="3544382" y="345885"/>
-            <a:ext cx="8038017" cy="6220378"/>
+            <a:off x="3544379" y="345885"/>
+            <a:ext cx="8038015" cy="6220378"/>
             <a:chOff x="3979817" y="955484"/>
             <a:chExt cx="5547364" cy="6220378"/>
           </a:xfrm>
@@ -5496,7 +5744,7 @@
           <p:spPr>
             <a:xfrm>
               <a:off x="3979817" y="955484"/>
-              <a:ext cx="1471237" cy="338554"/>
+              <a:ext cx="870258" cy="338554"/>
             </a:xfrm>
             <a:prstGeom prst="rect">
               <a:avLst/>
@@ -5510,12 +5758,12 @@
             <a:lstStyle/>
             <a:p>
               <a:r>
-                <a:rPr lang="fr-FR" sz="1600" b="1" dirty="0" smtClean="0">
+                <a:rPr lang="fr-FR" sz="1600" b="1" dirty="0" err="1" smtClean="0">
                   <a:solidFill>
                     <a:srgbClr val="006600"/>
                   </a:solidFill>
                 </a:rPr>
-                <a:t>CODE PROCESS</a:t>
+                <a:t>CodeProcess</a:t>
               </a:r>
               <a:endParaRPr lang="fr-FR" sz="1600" b="1" dirty="0">
                 <a:solidFill>
@@ -5534,7 +5782,7 @@
           <p:spPr>
             <a:xfrm>
               <a:off x="3979817" y="1215809"/>
-              <a:ext cx="3976858" cy="738664"/>
+              <a:ext cx="2400047" cy="738664"/>
             </a:xfrm>
             <a:prstGeom prst="rect">
               <a:avLst/>
@@ -5571,59 +5819,67 @@
                 </a:rPr>
                 <a:t>, _lv, </a:t>
               </a:r>
+              <a:r>
+                <a:rPr lang="fr-FR" sz="1400" dirty="0" smtClean="0">
+                  <a:solidFill>
+                    <a:srgbClr val="006600"/>
+                  </a:solidFill>
+                </a:rPr>
+                <a:t>_</a:t>
+              </a:r>
+              <a:r>
+                <a:rPr lang="fr-FR" sz="1400" dirty="0" err="1" smtClean="0">
+                  <a:solidFill>
+                    <a:srgbClr val="006600"/>
+                  </a:solidFill>
+                </a:rPr>
+                <a:t>commandQueue</a:t>
+              </a:r>
+              <a:r>
+                <a:rPr lang="fr-FR" sz="1400" dirty="0" smtClean="0">
+                  <a:solidFill>
+                    <a:srgbClr val="006600"/>
+                  </a:solidFill>
+                </a:rPr>
+                <a:t>, _</a:t>
+              </a:r>
+              <a:r>
+                <a:rPr lang="fr-FR" sz="1400" dirty="0" err="1" smtClean="0">
+                  <a:solidFill>
+                    <a:srgbClr val="006600"/>
+                  </a:solidFill>
+                </a:rPr>
+                <a:t>responseQueue</a:t>
+              </a:r>
+              <a:r>
+                <a:rPr lang="fr-FR" sz="1400" dirty="0" smtClean="0">
+                  <a:solidFill>
+                    <a:srgbClr val="006600"/>
+                  </a:solidFill>
+                </a:rPr>
+                <a:t>,</a:t>
+              </a:r>
             </a:p>
             <a:p>
               <a:r>
-                <a:rPr lang="fr-FR" sz="1400" dirty="0" smtClean="0">
-                  <a:solidFill>
-                    <a:srgbClr val="006600"/>
-                  </a:solidFill>
-                </a:rPr>
-                <a:t>_</a:t>
-              </a:r>
-              <a:r>
-                <a:rPr lang="fr-FR" sz="1400" dirty="0" err="1" smtClean="0">
-                  <a:solidFill>
-                    <a:srgbClr val="006600"/>
-                  </a:solidFill>
-                </a:rPr>
-                <a:t>commandQueue</a:t>
-              </a:r>
-              <a:r>
-                <a:rPr lang="fr-FR" sz="1400" dirty="0" smtClean="0">
-                  <a:solidFill>
-                    <a:srgbClr val="006600"/>
-                  </a:solidFill>
-                </a:rPr>
-                <a:t>, _</a:t>
-              </a:r>
-              <a:r>
-                <a:rPr lang="fr-FR" sz="1400" dirty="0" err="1" smtClean="0">
-                  <a:solidFill>
-                    <a:srgbClr val="006600"/>
-                  </a:solidFill>
-                </a:rPr>
-                <a:t>responseQueue</a:t>
-              </a:r>
-              <a:r>
-                <a:rPr lang="fr-FR" sz="1400" dirty="0" smtClean="0">
-                  <a:solidFill>
-                    <a:srgbClr val="006600"/>
-                  </a:solidFill>
-                </a:rPr>
-                <a:t>, </a:t>
-              </a:r>
-              <a:r>
-                <a:rPr lang="fr-FR" sz="1400" dirty="0" err="1" smtClean="0">
-                  <a:solidFill>
-                    <a:srgbClr val="FF00FF"/>
+                <a:rPr lang="fr-FR" sz="1400" b="1" dirty="0" err="1">
+                  <a:solidFill>
+                    <a:srgbClr val="0000FF"/>
                   </a:solidFill>
                 </a:rPr>
                 <a:t>callbackQueue</a:t>
               </a:r>
-              <a:endParaRPr lang="fr-FR" sz="1400" dirty="0" smtClean="0">
-                <a:solidFill>
-                  <a:srgbClr val="FF00FF"/>
+              <a:r>
+                <a:rPr lang="fr-FR" sz="1400" b="1" dirty="0">
+                  <a:solidFill>
+                    <a:srgbClr val="0000FF"/>
+                  </a:solidFill>
+                </a:rPr>
+                <a:t> </a:t>
+              </a:r>
+              <a:endParaRPr lang="fr-FR" sz="1400" b="1" dirty="0">
+                <a:solidFill>
+                  <a:srgbClr val="006600"/>
                 </a:solidFill>
               </a:endParaRPr>
             </a:p>
@@ -5631,20 +5887,28 @@
               <a:r>
                 <a:rPr lang="fr-FR" sz="1400" dirty="0" smtClean="0">
                   <a:solidFill>
+                    <a:srgbClr val="FF0000"/>
+                  </a:solidFill>
+                </a:rPr>
+                <a:t>_</a:t>
+              </a:r>
+              <a:r>
+                <a:rPr lang="fr-FR" sz="1400" dirty="0" err="1" smtClean="0">
+                  <a:solidFill>
+                    <a:srgbClr val="FF0000"/>
+                  </a:solidFill>
+                </a:rPr>
+                <a:t>codeRunner</a:t>
+              </a:r>
+              <a:r>
+                <a:rPr lang="fr-FR" sz="1400" dirty="0" smtClean="0">
+                  <a:solidFill>
                     <a:srgbClr val="006600"/>
                   </a:solidFill>
                 </a:rPr>
-                <a:t>_</a:t>
-              </a:r>
-              <a:r>
-                <a:rPr lang="fr-FR" sz="1400" dirty="0" err="1" smtClean="0">
-                  <a:solidFill>
-                    <a:srgbClr val="006600"/>
-                  </a:solidFill>
-                </a:rPr>
-                <a:t>codeRunner</a:t>
-              </a:r>
-              <a:endParaRPr lang="fr-FR" sz="1400" dirty="0">
+                <a:t>, </a:t>
+              </a:r>
+              <a:endParaRPr lang="fr-FR" sz="1400" b="1" dirty="0">
                 <a:solidFill>
                   <a:srgbClr val="006600"/>
                 </a:solidFill>
@@ -5660,8 +5924,8 @@
           </p:nvSpPr>
           <p:spPr>
             <a:xfrm>
-              <a:off x="3979817" y="2060541"/>
-              <a:ext cx="2955937" cy="1261884"/>
+              <a:off x="3981041" y="2015722"/>
+              <a:ext cx="2275445" cy="1261884"/>
             </a:xfrm>
             <a:prstGeom prst="rect">
               <a:avLst/>
@@ -5669,7 +5933,7 @@
             <a:noFill/>
           </p:spPr>
           <p:txBody>
-            <a:bodyPr wrap="none" rtlCol="0">
+            <a:bodyPr wrap="square" rtlCol="0">
               <a:spAutoFit/>
             </a:bodyPr>
             <a:lstStyle/>
@@ -5856,15 +6120,7 @@
                     <a:srgbClr val="006600"/>
                   </a:solidFill>
                 </a:rPr>
-                <a:t>      </a:t>
-              </a:r>
-              <a:r>
-                <a:rPr lang="fr-FR" sz="1200" dirty="0" smtClean="0">
-                  <a:solidFill>
-                    <a:srgbClr val="006600"/>
-                  </a:solidFill>
-                </a:rPr>
-                <a:t>_</a:t>
+                <a:t>      _</a:t>
               </a:r>
               <a:r>
                 <a:rPr lang="fr-FR" sz="1200" dirty="0" err="1" smtClean="0">
@@ -5938,9 +6194,9 @@
         <p:grpSpPr>
           <a:xfrm>
             <a:off x="3666307" y="2659095"/>
-            <a:ext cx="3519812" cy="4111093"/>
+            <a:ext cx="3519812" cy="3895649"/>
             <a:chOff x="3866606" y="960919"/>
-            <a:chExt cx="3519812" cy="4111093"/>
+            <a:chExt cx="3519812" cy="3895649"/>
           </a:xfrm>
         </p:grpSpPr>
         <p:sp>
@@ -5998,7 +6254,7 @@
           <p:spPr>
             <a:xfrm>
               <a:off x="3875309" y="964193"/>
-              <a:ext cx="1441548" cy="338554"/>
+              <a:ext cx="1241045" cy="338554"/>
             </a:xfrm>
             <a:prstGeom prst="rect">
               <a:avLst/>
@@ -6012,12 +6268,12 @@
             <a:lstStyle/>
             <a:p>
               <a:r>
-                <a:rPr lang="fr-FR" sz="1600" b="1" dirty="0" smtClean="0">
+                <a:rPr lang="fr-FR" sz="1600" b="1" dirty="0" err="1" smtClean="0">
                   <a:solidFill>
                     <a:srgbClr val="FF0000"/>
                   </a:solidFill>
                 </a:rPr>
-                <a:t>CODE RUNNER</a:t>
+                <a:t>CodeRunner</a:t>
               </a:r>
               <a:endParaRPr lang="fr-FR" sz="1600" b="1" dirty="0">
                 <a:solidFill>
@@ -6036,7 +6292,7 @@
           <p:spPr>
             <a:xfrm>
               <a:off x="3979817" y="1268063"/>
-              <a:ext cx="2050561" cy="523220"/>
+              <a:ext cx="3354060" cy="523220"/>
             </a:xfrm>
             <a:prstGeom prst="rect">
               <a:avLst/>
@@ -6071,27 +6327,48 @@
                     <a:srgbClr val="FF0000"/>
                   </a:solidFill>
                 </a:rPr>
-                <a:t>, _lv, _threads,</a:t>
-              </a:r>
+                <a:t>, _lv, _threads</a:t>
+              </a:r>
+              <a:r>
+                <a:rPr lang="fr-FR" sz="1400" dirty="0" smtClean="0">
+                  <a:solidFill>
+                    <a:srgbClr val="FF0000"/>
+                  </a:solidFill>
+                </a:rPr>
+                <a:t>, _</a:t>
+              </a:r>
+              <a:r>
+                <a:rPr lang="fr-FR" sz="1400" dirty="0" smtClean="0">
+                  <a:solidFill>
+                    <a:srgbClr val="FF0000"/>
+                  </a:solidFill>
+                </a:rPr>
+                <a:t>exceptions, _</a:t>
+              </a:r>
+              <a:r>
+                <a:rPr lang="fr-FR" sz="1400" dirty="0" err="1" smtClean="0">
+                  <a:solidFill>
+                    <a:srgbClr val="FF0000"/>
+                  </a:solidFill>
+                </a:rPr>
+                <a:t>tracebacks</a:t>
+              </a:r>
+              <a:endParaRPr lang="fr-FR" sz="1400" dirty="0" smtClean="0">
+                <a:solidFill>
+                  <a:srgbClr val="FF0000"/>
+                </a:solidFill>
+              </a:endParaRPr>
             </a:p>
             <a:p>
               <a:r>
-                <a:rPr lang="fr-FR" sz="1400" dirty="0" smtClean="0">
-                  <a:solidFill>
-                    <a:srgbClr val="FF0000"/>
-                  </a:solidFill>
-                </a:rPr>
-                <a:t> _exceptions, _</a:t>
-              </a:r>
-              <a:r>
-                <a:rPr lang="fr-FR" sz="1400" dirty="0" err="1" smtClean="0">
-                  <a:solidFill>
-                    <a:srgbClr val="FF0000"/>
-                  </a:solidFill>
-                </a:rPr>
-                <a:t>tracebacks</a:t>
-              </a:r>
-              <a:endParaRPr lang="fr-FR" sz="1400" dirty="0" smtClean="0">
+                <a:rPr lang="fr-FR" sz="1400" b="1" dirty="0" err="1">
+                  <a:solidFill>
+                    <a:srgbClr val="0000FF"/>
+                  </a:solidFill>
+                </a:rPr>
+                <a:t>callbackQueue</a:t>
+              </a:r>
+              <a:endParaRPr lang="fr-FR" sz="1400" b="1" dirty="0" smtClean="0">
                 <a:solidFill>
                   <a:srgbClr val="FF0000"/>
                 </a:solidFill>
@@ -6108,7 +6385,7 @@
           <p:spPr>
             <a:xfrm>
               <a:off x="3979817" y="1748025"/>
-              <a:ext cx="3139577" cy="3323987"/>
+              <a:ext cx="3165867" cy="3108543"/>
             </a:xfrm>
             <a:prstGeom prst="rect">
               <a:avLst/>
@@ -6121,49 +6398,7 @@
             </a:bodyPr>
             <a:lstStyle/>
             <a:p>
-              <a:r>
-                <a:rPr lang="fr-FR" sz="1400" dirty="0" err="1">
-                  <a:solidFill>
-                    <a:srgbClr val="FF0000"/>
-                  </a:solidFill>
-                </a:rPr>
-                <a:t>i</a:t>
-              </a:r>
-              <a:r>
-                <a:rPr lang="fr-FR" sz="1400" dirty="0" err="1" smtClean="0">
-                  <a:solidFill>
-                    <a:srgbClr val="FF0000"/>
-                  </a:solidFill>
-                </a:rPr>
-                <a:t>nit</a:t>
-              </a:r>
-              <a:r>
-                <a:rPr lang="fr-FR" sz="1400" dirty="0" smtClean="0">
-                  <a:solidFill>
-                    <a:srgbClr val="FF0000"/>
-                  </a:solidFill>
-                </a:rPr>
-                <a:t> (</a:t>
-              </a:r>
-              <a:r>
-                <a:rPr lang="fr-FR" sz="1400" dirty="0" err="1" smtClean="0">
-                  <a:solidFill>
-                    <a:srgbClr val="FF00FF"/>
-                  </a:solidFill>
-                </a:rPr>
-                <a:t>callbackQueue</a:t>
-              </a:r>
-              <a:r>
-                <a:rPr lang="fr-FR" sz="1400" dirty="0" smtClean="0">
-                  <a:solidFill>
-                    <a:srgbClr val="FF0000"/>
-                  </a:solidFill>
-                </a:rPr>
-                <a:t>)</a:t>
-              </a:r>
-            </a:p>
-            <a:p>
-              <a:endParaRPr lang="fr-FR" sz="1400" dirty="0">
+              <a:endParaRPr lang="fr-FR" sz="1400" dirty="0" smtClean="0">
                 <a:solidFill>
                   <a:srgbClr val="FF0000"/>
                 </a:solidFill>
@@ -6284,11 +6519,7 @@
                 <a:t>(code, </a:t>
               </a:r>
               <a:r>
-                <a:rPr lang="fr-FR" sz="1200" dirty="0" err="1" smtClean="0">
-                  <a:solidFill>
-                    <a:srgbClr val="FF00FF"/>
-                  </a:solidFill>
-                </a:rPr>
+                <a:rPr lang="fr-FR" sz="1200" b="1" dirty="0" err="1" smtClean="0"/>
                 <a:t>resultExpression</a:t>
               </a:r>
               <a:r>
@@ -6329,11 +6560,7 @@
                 <a:t>(self, </a:t>
               </a:r>
               <a:r>
-                <a:rPr lang="fr-FR" sz="1400" dirty="0" err="1" smtClean="0">
-                  <a:solidFill>
-                    <a:srgbClr val="FF00FF"/>
-                  </a:solidFill>
-                </a:rPr>
+                <a:rPr lang="fr-FR" sz="1400" b="1" dirty="0" err="1" smtClean="0"/>
                 <a:t>result</a:t>
               </a:r>
               <a:r>
@@ -6357,7 +6584,7 @@
               <a:r>
                 <a:rPr lang="en-US" sz="1200" dirty="0" smtClean="0">
                   <a:solidFill>
-                    <a:srgbClr val="FF00FF"/>
+                    <a:srgbClr val="0000FF"/>
                   </a:solidFill>
                 </a:rPr>
                 <a:t>_</a:t>
@@ -6365,7 +6592,7 @@
               <a:r>
                 <a:rPr lang="en-US" sz="1200" dirty="0" err="1" smtClean="0">
                   <a:solidFill>
-                    <a:srgbClr val="FF00FF"/>
+                    <a:srgbClr val="0000FF"/>
                   </a:solidFill>
                 </a:rPr>
                 <a:t>callbackQueue</a:t>
@@ -6387,11 +6614,7 @@
                 <a:t>((id, failed, </a:t>
               </a:r>
               <a:r>
-                <a:rPr lang="en-US" sz="1200" dirty="0" smtClean="0">
-                  <a:solidFill>
-                    <a:srgbClr val="FF00FF"/>
-                  </a:solidFill>
-                </a:rPr>
+                <a:rPr lang="en-US" sz="1200" b="1" dirty="0" smtClean="0"/>
                 <a:t>result</a:t>
               </a:r>
               <a:r>
@@ -6473,43 +6696,6 @@
           </p:txBody>
         </p:sp>
       </p:grpSp>
-      <p:cxnSp>
-        <p:nvCxnSpPr>
-          <p:cNvPr id="23" name="Connecteur droit avec flèche 22"/>
-          <p:cNvCxnSpPr/>
-          <p:nvPr/>
-        </p:nvCxnSpPr>
-        <p:spPr>
-          <a:xfrm>
-            <a:off x="4680855" y="1210488"/>
-            <a:ext cx="1819465" cy="0"/>
-          </a:xfrm>
-          <a:prstGeom prst="straightConnector1">
-            <a:avLst/>
-          </a:prstGeom>
-          <a:ln>
-            <a:solidFill>
-              <a:srgbClr val="FF0000"/>
-            </a:solidFill>
-            <a:headEnd type="none" w="med" len="med"/>
-            <a:tailEnd type="none" w="med" len="med"/>
-          </a:ln>
-        </p:spPr>
-        <p:style>
-          <a:lnRef idx="1">
-            <a:schemeClr val="accent1"/>
-          </a:lnRef>
-          <a:fillRef idx="0">
-            <a:schemeClr val="accent1"/>
-          </a:fillRef>
-          <a:effectRef idx="0">
-            <a:schemeClr val="accent1"/>
-          </a:effectRef>
-          <a:fontRef idx="minor">
-            <a:schemeClr val="tx1"/>
-          </a:fontRef>
-        </p:style>
-      </p:cxnSp>
       <p:cxnSp>
         <p:nvCxnSpPr>
           <p:cNvPr id="27" name="Connecteur droit avec flèche 26"/>
@@ -6518,8 +6704,8 @@
         </p:nvCxnSpPr>
         <p:spPr>
           <a:xfrm>
-            <a:off x="6500320" y="1219197"/>
-            <a:ext cx="0" cy="1434463"/>
+            <a:off x="6679101" y="1240906"/>
+            <a:ext cx="0" cy="1427101"/>
           </a:xfrm>
           <a:prstGeom prst="straightConnector1">
             <a:avLst/>
@@ -6554,7 +6740,7 @@
         </p:nvGrpSpPr>
         <p:grpSpPr>
           <a:xfrm>
-            <a:off x="7927088" y="1219195"/>
+            <a:off x="7927088" y="1809745"/>
             <a:ext cx="3589993" cy="4635439"/>
             <a:chOff x="7330825" y="1515289"/>
             <a:chExt cx="3589993" cy="4635439"/>
@@ -6649,10 +6835,10 @@
         </p:nvGrpSpPr>
         <p:grpSpPr>
           <a:xfrm>
-            <a:off x="7908039" y="5959138"/>
-            <a:ext cx="3609042" cy="660259"/>
-            <a:chOff x="7330826" y="1515291"/>
-            <a:chExt cx="3609042" cy="660259"/>
+            <a:off x="7908039" y="560008"/>
+            <a:ext cx="3609042" cy="1128099"/>
+            <a:chOff x="7330826" y="763846"/>
+            <a:chExt cx="3609042" cy="1128099"/>
           </a:xfrm>
         </p:grpSpPr>
         <p:sp>
@@ -6663,7 +6849,7 @@
           </p:nvSpPr>
           <p:spPr>
             <a:xfrm>
-              <a:off x="7330826" y="1515291"/>
+              <a:off x="7330826" y="1553391"/>
               <a:ext cx="3609042" cy="329845"/>
             </a:xfrm>
             <a:prstGeom prst="rect">
@@ -6709,7 +6895,7 @@
           </p:nvSpPr>
           <p:spPr>
             <a:xfrm>
-              <a:off x="7339538" y="1515291"/>
+              <a:off x="7339538" y="1553391"/>
               <a:ext cx="1365374" cy="338554"/>
             </a:xfrm>
             <a:prstGeom prst="rect">
@@ -6737,13 +6923,13 @@
         </p:sp>
         <p:sp>
           <p:nvSpPr>
-            <p:cNvPr id="39" name="ZoneTexte 38"/>
+            <p:cNvPr id="95" name="ZoneTexte 94"/>
             <p:cNvSpPr txBox="1"/>
             <p:nvPr/>
           </p:nvSpPr>
           <p:spPr>
             <a:xfrm rot="5400000">
-              <a:off x="8256982" y="1841003"/>
+              <a:off x="7952186" y="759839"/>
               <a:ext cx="330540" cy="338554"/>
             </a:xfrm>
             <a:prstGeom prst="rect">
@@ -6766,6 +6952,90 @@
             </a:p>
           </p:txBody>
         </p:sp>
+        <p:sp>
+          <p:nvSpPr>
+            <p:cNvPr id="96" name="Rectangle 95"/>
+            <p:cNvSpPr/>
+            <p:nvPr/>
+          </p:nvSpPr>
+          <p:spPr>
+            <a:xfrm>
+              <a:off x="7330826" y="1106190"/>
+              <a:ext cx="3609042" cy="329845"/>
+            </a:xfrm>
+            <a:prstGeom prst="rect">
+              <a:avLst/>
+            </a:prstGeom>
+            <a:noFill/>
+            <a:ln>
+              <a:solidFill>
+                <a:schemeClr val="tx1"/>
+              </a:solidFill>
+            </a:ln>
+          </p:spPr>
+          <p:style>
+            <a:lnRef idx="2">
+              <a:schemeClr val="accent1">
+                <a:shade val="50000"/>
+              </a:schemeClr>
+            </a:lnRef>
+            <a:fillRef idx="1">
+              <a:schemeClr val="accent1"/>
+            </a:fillRef>
+            <a:effectRef idx="0">
+              <a:schemeClr val="accent1"/>
+            </a:effectRef>
+            <a:fontRef idx="minor">
+              <a:schemeClr val="lt1"/>
+            </a:fontRef>
+          </p:style>
+          <p:txBody>
+            <a:bodyPr rtlCol="0" anchor="ctr"/>
+            <a:lstStyle/>
+            <a:p>
+              <a:pPr algn="ctr"/>
+              <a:endParaRPr lang="fr-FR"/>
+            </a:p>
+          </p:txBody>
+        </p:sp>
+        <p:sp>
+          <p:nvSpPr>
+            <p:cNvPr id="97" name="ZoneTexte 96"/>
+            <p:cNvSpPr txBox="1"/>
+            <p:nvPr/>
+          </p:nvSpPr>
+          <p:spPr>
+            <a:xfrm>
+              <a:off x="7339538" y="1106190"/>
+              <a:ext cx="1365374" cy="338554"/>
+            </a:xfrm>
+            <a:prstGeom prst="rect">
+              <a:avLst/>
+            </a:prstGeom>
+            <a:noFill/>
+          </p:spPr>
+          <p:txBody>
+            <a:bodyPr wrap="none" rtlCol="0">
+              <a:spAutoFit/>
+            </a:bodyPr>
+            <a:lstStyle/>
+            <a:p>
+              <a:r>
+                <a:rPr lang="fr-FR" sz="1600" b="1" dirty="0" err="1" smtClean="0"/>
+                <a:t>CodeThread</a:t>
+              </a:r>
+              <a:r>
+                <a:rPr lang="fr-FR" sz="1600" b="1" dirty="0" smtClean="0"/>
+                <a:t> </a:t>
+              </a:r>
+              <a:r>
+                <a:rPr lang="fr-FR" sz="1600" b="1" dirty="0" smtClean="0"/>
+                <a:t>3</a:t>
+              </a:r>
+              <a:endParaRPr lang="fr-FR" sz="1600" b="1" dirty="0"/>
+            </a:p>
+          </p:txBody>
+        </p:sp>
       </p:grpSp>
       <p:sp>
         <p:nvSpPr>
@@ -6775,8 +7045,8 @@
         </p:nvSpPr>
         <p:spPr>
           <a:xfrm>
-            <a:off x="7925983" y="1532098"/>
-            <a:ext cx="2595006" cy="1169551"/>
+            <a:off x="7925983" y="2094073"/>
+            <a:ext cx="2633028" cy="1169551"/>
           </a:xfrm>
           <a:prstGeom prst="rect">
             <a:avLst/>
@@ -6808,62 +7078,59 @@
               <a:t>_code, </a:t>
             </a:r>
             <a:r>
-              <a:rPr lang="fr-FR" sz="1400" dirty="0" smtClean="0">
-                <a:solidFill>
-                  <a:srgbClr val="FF00FF"/>
-                </a:solidFill>
-              </a:rPr>
+              <a:rPr lang="fr-FR" sz="1400" b="1" dirty="0" smtClean="0"/>
               <a:t>_</a:t>
             </a:r>
             <a:r>
+              <a:rPr lang="fr-FR" sz="1400" b="1" dirty="0" err="1" smtClean="0"/>
+              <a:t>resultExpression</a:t>
+            </a:r>
+            <a:r>
+              <a:rPr lang="fr-FR" sz="1400" b="1" dirty="0" smtClean="0"/>
+              <a:t>, _</a:t>
+            </a:r>
+            <a:r>
+              <a:rPr lang="fr-FR" sz="1400" b="1" dirty="0" err="1" smtClean="0"/>
+              <a:t>result</a:t>
+            </a:r>
+            <a:endParaRPr lang="fr-FR" sz="1400" b="1" dirty="0" smtClean="0"/>
+          </a:p>
+          <a:p>
+            <a:r>
+              <a:rPr lang="fr-FR" sz="1400" dirty="0" smtClean="0"/>
+              <a:t>_</a:t>
+            </a:r>
+            <a:r>
+              <a:rPr lang="fr-FR" sz="1400" dirty="0" err="1" smtClean="0"/>
+              <a:t>name</a:t>
+            </a:r>
+            <a:r>
+              <a:rPr lang="fr-FR" sz="1400" dirty="0" smtClean="0"/>
+              <a:t>, </a:t>
+            </a:r>
+          </a:p>
+          <a:p>
+            <a:r>
+              <a:rPr lang="fr-FR" sz="1400" dirty="0">
+                <a:solidFill>
+                  <a:srgbClr val="FF0000"/>
+                </a:solidFill>
+              </a:rPr>
+              <a:t>_</a:t>
+            </a:r>
+            <a:r>
               <a:rPr lang="fr-FR" sz="1400" dirty="0" err="1" smtClean="0">
                 <a:solidFill>
-                  <a:srgbClr val="FF00FF"/>
-                </a:solidFill>
-              </a:rPr>
-              <a:t>resultExpression</a:t>
-            </a:r>
-            <a:r>
-              <a:rPr lang="fr-FR" sz="1400" dirty="0" smtClean="0">
-                <a:solidFill>
-                  <a:srgbClr val="FF00FF"/>
-                </a:solidFill>
-              </a:rPr>
-              <a:t>, _</a:t>
-            </a:r>
-            <a:r>
-              <a:rPr lang="fr-FR" sz="1400" dirty="0" err="1" smtClean="0">
-                <a:solidFill>
-                  <a:srgbClr val="FF00FF"/>
-                </a:solidFill>
-              </a:rPr>
-              <a:t>result</a:t>
+                  <a:srgbClr val="FF0000"/>
+                </a:solidFill>
+              </a:rPr>
+              <a:t>threadCallback</a:t>
             </a:r>
             <a:endParaRPr lang="fr-FR" sz="1400" dirty="0" smtClean="0">
               <a:solidFill>
-                <a:srgbClr val="FF00FF"/>
+                <a:srgbClr val="FF0000"/>
               </a:solidFill>
             </a:endParaRPr>
-          </a:p>
-          <a:p>
-            <a:r>
-              <a:rPr lang="fr-FR" sz="1400" dirty="0" smtClean="0"/>
-              <a:t>_</a:t>
-            </a:r>
-            <a:r>
-              <a:rPr lang="fr-FR" sz="1400" dirty="0" err="1" smtClean="0"/>
-              <a:t>name</a:t>
-            </a:r>
-            <a:r>
-              <a:rPr lang="fr-FR" sz="1400" dirty="0" smtClean="0"/>
-              <a:t>, </a:t>
-            </a:r>
-          </a:p>
-          <a:p>
-            <a:r>
-              <a:rPr lang="fr-FR" sz="1400" dirty="0" smtClean="0"/>
-              <a:t>_callback</a:t>
-            </a:r>
           </a:p>
           <a:p>
             <a:r>
@@ -6894,8 +7161,8 @@
         </p:nvSpPr>
         <p:spPr>
           <a:xfrm>
-            <a:off x="7925983" y="3895789"/>
-            <a:ext cx="3552767" cy="1908215"/>
+            <a:off x="7925983" y="3648139"/>
+            <a:ext cx="3552767" cy="1477328"/>
           </a:xfrm>
           <a:prstGeom prst="rect">
             <a:avLst/>
@@ -6925,11 +7192,7 @@
               <a:t>, </a:t>
             </a:r>
             <a:r>
-              <a:rPr lang="fr-FR" sz="1400" dirty="0" err="1" smtClean="0">
-                <a:solidFill>
-                  <a:srgbClr val="FF00FF"/>
-                </a:solidFill>
-              </a:rPr>
+              <a:rPr lang="fr-FR" sz="1400" b="1" dirty="0" err="1" smtClean="0"/>
               <a:t>resultExpression</a:t>
             </a:r>
             <a:r>
@@ -7019,53 +7282,24 @@
           <a:p>
             <a:r>
               <a:rPr lang="fr-FR" sz="1200" dirty="0" smtClean="0"/>
-              <a:t>   </a:t>
-            </a:r>
-            <a:r>
-              <a:rPr lang="fr-FR" sz="1200" dirty="0" smtClean="0">
-                <a:solidFill>
-                  <a:srgbClr val="FF00FF"/>
-                </a:solidFill>
-              </a:rPr>
-              <a:t>self._</a:t>
-            </a:r>
-            <a:r>
-              <a:rPr lang="fr-FR" sz="1200" dirty="0" err="1" smtClean="0">
-                <a:solidFill>
-                  <a:srgbClr val="FF00FF"/>
-                </a:solidFill>
-              </a:rPr>
+              <a:t>   self._</a:t>
+            </a:r>
+            <a:r>
+              <a:rPr lang="fr-FR" sz="1200" dirty="0" err="1" smtClean="0"/>
               <a:t>result</a:t>
             </a:r>
             <a:r>
               <a:rPr lang="fr-FR" sz="1200" dirty="0" smtClean="0"/>
-              <a:t> </a:t>
-            </a:r>
-            <a:r>
-              <a:rPr lang="fr-FR" sz="1200" dirty="0" smtClean="0">
-                <a:solidFill>
-                  <a:srgbClr val="FF00FF"/>
-                </a:solidFill>
-              </a:rPr>
-              <a:t>= _lv['_</a:t>
-            </a:r>
-            <a:r>
-              <a:rPr lang="fr-FR" sz="1200" dirty="0" err="1" smtClean="0">
-                <a:solidFill>
-                  <a:srgbClr val="FF00FF"/>
-                </a:solidFill>
-              </a:rPr>
+              <a:t> = _lv['_</a:t>
+            </a:r>
+            <a:r>
+              <a:rPr lang="fr-FR" sz="1200" dirty="0" err="1" smtClean="0"/>
               <a:t>resultThread</a:t>
             </a:r>
             <a:r>
-              <a:rPr lang="fr-FR" sz="1200" dirty="0" smtClean="0">
-                <a:solidFill>
-                  <a:srgbClr val="FF00FF"/>
-                </a:solidFill>
-              </a:rPr>
+              <a:rPr lang="fr-FR" sz="1200" dirty="0" smtClean="0"/>
               <a:t>']</a:t>
             </a:r>
-            <a:endParaRPr lang="fr-FR" sz="1200" dirty="0" smtClean="0"/>
           </a:p>
           <a:p>
             <a:r>
@@ -7074,22 +7308,38 @@
             </a:r>
             <a:r>
               <a:rPr lang="fr-FR" sz="1200" dirty="0" smtClean="0"/>
-              <a:t>  _callback(self, </a:t>
-            </a:r>
-            <a:r>
-              <a:rPr lang="fr-FR" sz="1200" dirty="0" smtClean="0">
-                <a:solidFill>
-                  <a:srgbClr val="FF00FF"/>
-                </a:solidFill>
-              </a:rPr>
-              <a:t>self._</a:t>
+              <a:t>  </a:t>
+            </a:r>
+            <a:r>
+              <a:rPr lang="fr-FR" sz="1200" dirty="0">
+                <a:solidFill>
+                  <a:srgbClr val="FF0000"/>
+                </a:solidFill>
+              </a:rPr>
+              <a:t>_</a:t>
             </a:r>
             <a:r>
               <a:rPr lang="fr-FR" sz="1200" dirty="0" err="1" smtClean="0">
                 <a:solidFill>
-                  <a:srgbClr val="FF00FF"/>
-                </a:solidFill>
-              </a:rPr>
+                  <a:srgbClr val="FF0000"/>
+                </a:solidFill>
+              </a:rPr>
+              <a:t>threadCallback</a:t>
+            </a:r>
+            <a:r>
+              <a:rPr lang="fr-FR" sz="1200" dirty="0" smtClean="0"/>
+              <a:t>(self</a:t>
+            </a:r>
+            <a:r>
+              <a:rPr lang="fr-FR" sz="1200" dirty="0" smtClean="0"/>
+              <a:t>, self</a:t>
+            </a:r>
+            <a:r>
+              <a:rPr lang="fr-FR" sz="1200" b="1" dirty="0" smtClean="0"/>
+              <a:t>._</a:t>
+            </a:r>
+            <a:r>
+              <a:rPr lang="fr-FR" sz="1200" b="1" dirty="0" err="1" smtClean="0"/>
               <a:t>result</a:t>
             </a:r>
             <a:r>
@@ -7099,30 +7349,6 @@
           </a:p>
           <a:p>
             <a:endParaRPr lang="fr-FR" sz="1200" dirty="0" smtClean="0"/>
-          </a:p>
-          <a:p>
-            <a:r>
-              <a:rPr lang="fr-FR" sz="1400" dirty="0" err="1" smtClean="0"/>
-              <a:t>isrunning</a:t>
-            </a:r>
-            <a:r>
-              <a:rPr lang="fr-FR" sz="1400" dirty="0" smtClean="0"/>
-              <a:t>()</a:t>
-            </a:r>
-          </a:p>
-          <a:p>
-            <a:r>
-              <a:rPr lang="fr-FR" sz="1400" dirty="0" err="1"/>
-              <a:t>f</a:t>
-            </a:r>
-            <a:r>
-              <a:rPr lang="fr-FR" sz="1400" dirty="0" err="1" smtClean="0"/>
-              <a:t>ailed</a:t>
-            </a:r>
-            <a:r>
-              <a:rPr lang="fr-FR" sz="1400" dirty="0" smtClean="0"/>
-              <a:t>()</a:t>
-            </a:r>
           </a:p>
         </p:txBody>
       </p:sp>
@@ -7134,8 +7360,602 @@
         </p:nvCxnSpPr>
         <p:spPr>
           <a:xfrm flipV="1">
-            <a:off x="5429250" y="1344874"/>
-            <a:ext cx="2497839" cy="2550915"/>
+            <a:off x="7306582" y="2089741"/>
+            <a:ext cx="661167" cy="1987416"/>
+          </a:xfrm>
+          <a:prstGeom prst="straightConnector1">
+            <a:avLst/>
+          </a:prstGeom>
+          <a:ln>
+            <a:solidFill>
+              <a:srgbClr val="FF0000"/>
+            </a:solidFill>
+            <a:tailEnd type="triangle"/>
+          </a:ln>
+        </p:spPr>
+        <p:style>
+          <a:lnRef idx="1">
+            <a:schemeClr val="accent1"/>
+          </a:lnRef>
+          <a:fillRef idx="0">
+            <a:schemeClr val="accent1"/>
+          </a:fillRef>
+          <a:effectRef idx="0">
+            <a:schemeClr val="accent1"/>
+          </a:effectRef>
+          <a:fontRef idx="minor">
+            <a:schemeClr val="tx1"/>
+          </a:fontRef>
+        </p:style>
+      </p:cxnSp>
+      <p:cxnSp>
+        <p:nvCxnSpPr>
+          <p:cNvPr id="63" name="Connecteur droit avec flèche 62"/>
+          <p:cNvCxnSpPr/>
+          <p:nvPr/>
+        </p:nvCxnSpPr>
+        <p:spPr>
+          <a:xfrm flipV="1">
+            <a:off x="7616619" y="3909398"/>
+            <a:ext cx="351130" cy="865791"/>
+          </a:xfrm>
+          <a:prstGeom prst="straightConnector1">
+            <a:avLst/>
+          </a:prstGeom>
+          <a:ln>
+            <a:solidFill>
+              <a:srgbClr val="FF0000"/>
+            </a:solidFill>
+            <a:tailEnd type="triangle"/>
+          </a:ln>
+        </p:spPr>
+        <p:style>
+          <a:lnRef idx="1">
+            <a:schemeClr val="accent1"/>
+          </a:lnRef>
+          <a:fillRef idx="0">
+            <a:schemeClr val="accent1"/>
+          </a:fillRef>
+          <a:effectRef idx="0">
+            <a:schemeClr val="accent1"/>
+          </a:effectRef>
+          <a:fontRef idx="minor">
+            <a:schemeClr val="tx1"/>
+          </a:fontRef>
+        </p:style>
+      </p:cxnSp>
+      <p:cxnSp>
+        <p:nvCxnSpPr>
+          <p:cNvPr id="15" name="Connecteur droit avec flèche 14"/>
+          <p:cNvCxnSpPr>
+            <a:endCxn id="10" idx="1"/>
+          </p:cNvCxnSpPr>
+          <p:nvPr/>
+        </p:nvCxnSpPr>
+        <p:spPr>
+          <a:xfrm>
+            <a:off x="3314700" y="975542"/>
+            <a:ext cx="229682" cy="0"/>
+          </a:xfrm>
+          <a:prstGeom prst="straightConnector1">
+            <a:avLst/>
+          </a:prstGeom>
+          <a:ln>
+            <a:solidFill>
+              <a:srgbClr val="0000FF"/>
+            </a:solidFill>
+            <a:tailEnd type="triangle"/>
+          </a:ln>
+        </p:spPr>
+        <p:style>
+          <a:lnRef idx="1">
+            <a:schemeClr val="accent1"/>
+          </a:lnRef>
+          <a:fillRef idx="0">
+            <a:schemeClr val="accent1"/>
+          </a:fillRef>
+          <a:effectRef idx="0">
+            <a:schemeClr val="accent1"/>
+          </a:effectRef>
+          <a:fontRef idx="minor">
+            <a:schemeClr val="tx1"/>
+          </a:fontRef>
+        </p:style>
+      </p:cxnSp>
+      <p:cxnSp>
+        <p:nvCxnSpPr>
+          <p:cNvPr id="24" name="Connecteur droit 23"/>
+          <p:cNvCxnSpPr/>
+          <p:nvPr/>
+        </p:nvCxnSpPr>
+        <p:spPr>
+          <a:xfrm>
+            <a:off x="3314700" y="966831"/>
+            <a:ext cx="0" cy="252364"/>
+          </a:xfrm>
+          <a:prstGeom prst="line">
+            <a:avLst/>
+          </a:prstGeom>
+          <a:ln>
+            <a:solidFill>
+              <a:srgbClr val="0000FF"/>
+            </a:solidFill>
+          </a:ln>
+        </p:spPr>
+        <p:style>
+          <a:lnRef idx="1">
+            <a:schemeClr val="accent1"/>
+          </a:lnRef>
+          <a:fillRef idx="0">
+            <a:schemeClr val="accent1"/>
+          </a:fillRef>
+          <a:effectRef idx="0">
+            <a:schemeClr val="accent1"/>
+          </a:effectRef>
+          <a:fontRef idx="minor">
+            <a:schemeClr val="tx1"/>
+          </a:fontRef>
+        </p:style>
+      </p:cxnSp>
+      <p:grpSp>
+        <p:nvGrpSpPr>
+          <p:cNvPr id="29" name="Groupe 28"/>
+          <p:cNvGrpSpPr/>
+          <p:nvPr/>
+        </p:nvGrpSpPr>
+        <p:grpSpPr>
+          <a:xfrm>
+            <a:off x="197476" y="3263112"/>
+            <a:ext cx="3157764" cy="1499389"/>
+            <a:chOff x="197476" y="3263112"/>
+            <a:chExt cx="3157764" cy="1499389"/>
+          </a:xfrm>
+        </p:grpSpPr>
+        <p:sp>
+          <p:nvSpPr>
+            <p:cNvPr id="25" name="Rectangle 24"/>
+            <p:cNvSpPr/>
+            <p:nvPr/>
+          </p:nvSpPr>
+          <p:spPr>
+            <a:xfrm>
+              <a:off x="210634" y="3276601"/>
+              <a:ext cx="3144606" cy="1485900"/>
+            </a:xfrm>
+            <a:prstGeom prst="rect">
+              <a:avLst/>
+            </a:prstGeom>
+            <a:noFill/>
+            <a:ln>
+              <a:solidFill>
+                <a:srgbClr val="0000FF"/>
+              </a:solidFill>
+            </a:ln>
+          </p:spPr>
+          <p:style>
+            <a:lnRef idx="2">
+              <a:schemeClr val="accent1">
+                <a:shade val="50000"/>
+              </a:schemeClr>
+            </a:lnRef>
+            <a:fillRef idx="1">
+              <a:schemeClr val="accent1"/>
+            </a:fillRef>
+            <a:effectRef idx="0">
+              <a:schemeClr val="accent1"/>
+            </a:effectRef>
+            <a:fontRef idx="minor">
+              <a:schemeClr val="lt1"/>
+            </a:fontRef>
+          </p:style>
+          <p:txBody>
+            <a:bodyPr rtlCol="0" anchor="ctr"/>
+            <a:lstStyle/>
+            <a:p>
+              <a:pPr algn="ctr"/>
+              <a:endParaRPr lang="fr-FR"/>
+            </a:p>
+          </p:txBody>
+        </p:sp>
+        <p:sp>
+          <p:nvSpPr>
+            <p:cNvPr id="43" name="ZoneTexte 42"/>
+            <p:cNvSpPr txBox="1"/>
+            <p:nvPr/>
+          </p:nvSpPr>
+          <p:spPr>
+            <a:xfrm>
+              <a:off x="218801" y="3263112"/>
+              <a:ext cx="2686633" cy="307777"/>
+            </a:xfrm>
+            <a:prstGeom prst="rect">
+              <a:avLst/>
+            </a:prstGeom>
+            <a:noFill/>
+          </p:spPr>
+          <p:txBody>
+            <a:bodyPr wrap="none" rtlCol="0">
+              <a:spAutoFit/>
+            </a:bodyPr>
+            <a:lstStyle/>
+            <a:p>
+              <a:r>
+                <a:rPr lang="fr-FR" sz="1400" b="1" dirty="0">
+                  <a:solidFill>
+                    <a:srgbClr val="0000FF"/>
+                  </a:solidFill>
+                </a:rPr>
+                <a:t>_</a:t>
+              </a:r>
+              <a:r>
+                <a:rPr lang="fr-FR" sz="1400" b="1" dirty="0" err="1" smtClean="0">
+                  <a:solidFill>
+                    <a:srgbClr val="0000FF"/>
+                  </a:solidFill>
+                </a:rPr>
+                <a:t>callbackQueueManager</a:t>
+              </a:r>
+              <a:r>
+                <a:rPr lang="fr-FR" sz="1400" b="1" dirty="0" smtClean="0">
+                  <a:solidFill>
+                    <a:srgbClr val="0000FF"/>
+                  </a:solidFill>
+                </a:rPr>
+                <a:t> THREAD</a:t>
+              </a:r>
+              <a:endParaRPr lang="fr-FR" sz="1600" b="1" dirty="0">
+                <a:solidFill>
+                  <a:srgbClr val="0000FF"/>
+                </a:solidFill>
+              </a:endParaRPr>
+            </a:p>
+          </p:txBody>
+        </p:sp>
+        <p:sp>
+          <p:nvSpPr>
+            <p:cNvPr id="26" name="Rectangle 25"/>
+            <p:cNvSpPr/>
+            <p:nvPr/>
+          </p:nvSpPr>
+          <p:spPr>
+            <a:xfrm>
+              <a:off x="197476" y="3658165"/>
+              <a:ext cx="3157763" cy="892552"/>
+            </a:xfrm>
+            <a:prstGeom prst="rect">
+              <a:avLst/>
+            </a:prstGeom>
+          </p:spPr>
+          <p:txBody>
+            <a:bodyPr wrap="square">
+              <a:spAutoFit/>
+            </a:bodyPr>
+            <a:lstStyle/>
+            <a:p>
+              <a:r>
+                <a:rPr lang="fr-FR" sz="1400" dirty="0">
+                  <a:solidFill>
+                    <a:srgbClr val="0000FF"/>
+                  </a:solidFill>
+                </a:rPr>
+                <a:t>_</a:t>
+              </a:r>
+              <a:r>
+                <a:rPr lang="fr-FR" sz="1400" dirty="0" err="1">
+                  <a:solidFill>
+                    <a:srgbClr val="0000FF"/>
+                  </a:solidFill>
+                </a:rPr>
+                <a:t>callbackQueueManager</a:t>
+              </a:r>
+              <a:r>
+                <a:rPr lang="fr-FR" sz="1400" dirty="0">
+                  <a:solidFill>
+                    <a:srgbClr val="0000FF"/>
+                  </a:solidFill>
+                </a:rPr>
+                <a:t>()</a:t>
+              </a:r>
+            </a:p>
+            <a:p>
+              <a:r>
+                <a:rPr lang="fr-FR" sz="1400" dirty="0">
+                  <a:solidFill>
+                    <a:srgbClr val="0000FF"/>
+                  </a:solidFill>
+                </a:rPr>
+                <a:t>   </a:t>
+              </a:r>
+              <a:r>
+                <a:rPr lang="fr-FR" sz="1200" dirty="0" err="1">
+                  <a:solidFill>
+                    <a:srgbClr val="0000FF"/>
+                  </a:solidFill>
+                </a:rPr>
+                <a:t>threadId</a:t>
+              </a:r>
+              <a:r>
+                <a:rPr lang="fr-FR" sz="1200" dirty="0">
+                  <a:solidFill>
+                    <a:srgbClr val="0000FF"/>
+                  </a:solidFill>
+                </a:rPr>
+                <a:t>, </a:t>
+              </a:r>
+              <a:r>
+                <a:rPr lang="fr-FR" sz="1200" dirty="0" err="1">
+                  <a:solidFill>
+                    <a:srgbClr val="0000FF"/>
+                  </a:solidFill>
+                </a:rPr>
+                <a:t>failed</a:t>
+              </a:r>
+              <a:r>
+                <a:rPr lang="fr-FR" sz="1200" dirty="0">
+                  <a:solidFill>
+                    <a:srgbClr val="0000FF"/>
+                  </a:solidFill>
+                </a:rPr>
+                <a:t>, </a:t>
+              </a:r>
+              <a:r>
+                <a:rPr lang="fr-FR" sz="1200" b="1" dirty="0" err="1"/>
+                <a:t>result</a:t>
+              </a:r>
+              <a:r>
+                <a:rPr lang="fr-FR" sz="1200" dirty="0"/>
+                <a:t> </a:t>
+              </a:r>
+              <a:r>
+                <a:rPr lang="fr-FR" sz="1200" dirty="0">
+                  <a:solidFill>
+                    <a:srgbClr val="0000FF"/>
+                  </a:solidFill>
+                </a:rPr>
+                <a:t>= _</a:t>
+              </a:r>
+              <a:r>
+                <a:rPr lang="fr-FR" sz="1200" dirty="0" err="1">
+                  <a:solidFill>
+                    <a:srgbClr val="0000FF"/>
+                  </a:solidFill>
+                </a:rPr>
+                <a:t>callbackQueue.get</a:t>
+              </a:r>
+              <a:r>
+                <a:rPr lang="fr-FR" sz="1200" dirty="0">
+                  <a:solidFill>
+                    <a:srgbClr val="0000FF"/>
+                  </a:solidFill>
+                </a:rPr>
+                <a:t>()</a:t>
+              </a:r>
+            </a:p>
+            <a:p>
+              <a:r>
+                <a:rPr lang="en-US" sz="1200" dirty="0">
+                  <a:solidFill>
+                    <a:srgbClr val="0000FF"/>
+                  </a:solidFill>
+                </a:rPr>
+                <a:t>   if </a:t>
+              </a:r>
+              <a:r>
+                <a:rPr lang="en-US" sz="1200" dirty="0" err="1">
+                  <a:solidFill>
+                    <a:srgbClr val="0000FF"/>
+                  </a:solidFill>
+                </a:rPr>
+                <a:t>threadId</a:t>
+              </a:r>
+              <a:r>
+                <a:rPr lang="en-US" sz="1200" dirty="0">
+                  <a:solidFill>
+                    <a:srgbClr val="0000FF"/>
+                  </a:solidFill>
+                </a:rPr>
+                <a:t> in self._</a:t>
+              </a:r>
+              <a:r>
+                <a:rPr lang="en-US" sz="1200" dirty="0" err="1">
+                  <a:solidFill>
+                    <a:srgbClr val="0000FF"/>
+                  </a:solidFill>
+                </a:rPr>
+                <a:t>callbackDict</a:t>
+              </a:r>
+              <a:r>
+                <a:rPr lang="en-US" sz="1200" dirty="0">
+                  <a:solidFill>
+                    <a:srgbClr val="0000FF"/>
+                  </a:solidFill>
+                </a:rPr>
+                <a:t>:</a:t>
+              </a:r>
+            </a:p>
+            <a:p>
+              <a:r>
+                <a:rPr lang="fr-FR" sz="1200" dirty="0">
+                  <a:solidFill>
+                    <a:srgbClr val="0000FF"/>
+                  </a:solidFill>
+                </a:rPr>
+                <a:t>       _</a:t>
+              </a:r>
+              <a:r>
+                <a:rPr lang="fr-FR" sz="1200" dirty="0" err="1">
+                  <a:solidFill>
+                    <a:srgbClr val="0000FF"/>
+                  </a:solidFill>
+                </a:rPr>
+                <a:t>callbackDict</a:t>
+              </a:r>
+              <a:r>
+                <a:rPr lang="fr-FR" sz="1200" dirty="0">
+                  <a:solidFill>
+                    <a:srgbClr val="0000FF"/>
+                  </a:solidFill>
+                </a:rPr>
+                <a:t>[</a:t>
+              </a:r>
+              <a:r>
+                <a:rPr lang="fr-FR" sz="1200" dirty="0" err="1">
+                  <a:solidFill>
+                    <a:srgbClr val="0000FF"/>
+                  </a:solidFill>
+                </a:rPr>
+                <a:t>threadId</a:t>
+              </a:r>
+              <a:r>
+                <a:rPr lang="fr-FR" sz="1200" dirty="0">
+                  <a:solidFill>
+                    <a:srgbClr val="0000FF"/>
+                  </a:solidFill>
+                </a:rPr>
+                <a:t>](</a:t>
+              </a:r>
+              <a:r>
+                <a:rPr lang="fr-FR" sz="1200" dirty="0" err="1">
+                  <a:solidFill>
+                    <a:srgbClr val="0000FF"/>
+                  </a:solidFill>
+                </a:rPr>
+                <a:t>results</a:t>
+              </a:r>
+              <a:r>
+                <a:rPr lang="fr-FR" sz="1200" dirty="0">
+                  <a:solidFill>
+                    <a:srgbClr val="0000FF"/>
+                  </a:solidFill>
+                </a:rPr>
+                <a:t>)</a:t>
+              </a:r>
+            </a:p>
+          </p:txBody>
+        </p:sp>
+      </p:grpSp>
+      <p:cxnSp>
+        <p:nvCxnSpPr>
+          <p:cNvPr id="34" name="Connecteur droit 33"/>
+          <p:cNvCxnSpPr/>
+          <p:nvPr/>
+        </p:nvCxnSpPr>
+        <p:spPr>
+          <a:xfrm flipH="1">
+            <a:off x="6515100" y="4077156"/>
+            <a:ext cx="795654" cy="0"/>
+          </a:xfrm>
+          <a:prstGeom prst="line">
+            <a:avLst/>
+          </a:prstGeom>
+          <a:ln>
+            <a:solidFill>
+              <a:srgbClr val="FF0000"/>
+            </a:solidFill>
+          </a:ln>
+        </p:spPr>
+        <p:style>
+          <a:lnRef idx="1">
+            <a:schemeClr val="accent1"/>
+          </a:lnRef>
+          <a:fillRef idx="0">
+            <a:schemeClr val="accent1"/>
+          </a:fillRef>
+          <a:effectRef idx="0">
+            <a:schemeClr val="accent1"/>
+          </a:effectRef>
+          <a:fontRef idx="minor">
+            <a:schemeClr val="tx1"/>
+          </a:fontRef>
+        </p:style>
+      </p:cxnSp>
+      <p:cxnSp>
+        <p:nvCxnSpPr>
+          <p:cNvPr id="48" name="Connecteur droit 47"/>
+          <p:cNvCxnSpPr/>
+          <p:nvPr/>
+        </p:nvCxnSpPr>
+        <p:spPr>
+          <a:xfrm flipH="1">
+            <a:off x="6848475" y="4762501"/>
+            <a:ext cx="768360" cy="0"/>
+          </a:xfrm>
+          <a:prstGeom prst="line">
+            <a:avLst/>
+          </a:prstGeom>
+          <a:ln>
+            <a:solidFill>
+              <a:srgbClr val="FF0000"/>
+            </a:solidFill>
+          </a:ln>
+        </p:spPr>
+        <p:style>
+          <a:lnRef idx="1">
+            <a:schemeClr val="accent1"/>
+          </a:lnRef>
+          <a:fillRef idx="0">
+            <a:schemeClr val="accent1"/>
+          </a:fillRef>
+          <a:effectRef idx="0">
+            <a:schemeClr val="accent1"/>
+          </a:effectRef>
+          <a:fontRef idx="minor">
+            <a:schemeClr val="tx1"/>
+          </a:fontRef>
+        </p:style>
+      </p:cxnSp>
+      <p:sp>
+        <p:nvSpPr>
+          <p:cNvPr id="46" name="Rectangle 45"/>
+          <p:cNvSpPr/>
+          <p:nvPr/>
+        </p:nvSpPr>
+        <p:spPr>
+          <a:xfrm>
+            <a:off x="8018664" y="5782298"/>
+            <a:ext cx="1020561" cy="523220"/>
+          </a:xfrm>
+          <a:prstGeom prst="rect">
+            <a:avLst/>
+          </a:prstGeom>
+        </p:spPr>
+        <p:txBody>
+          <a:bodyPr wrap="square">
+            <a:spAutoFit/>
+          </a:bodyPr>
+          <a:lstStyle/>
+          <a:p>
+            <a:r>
+              <a:rPr lang="fr-FR" sz="1400" dirty="0" err="1"/>
+              <a:t>isrunning</a:t>
+            </a:r>
+            <a:r>
+              <a:rPr lang="fr-FR" sz="1400" dirty="0"/>
+              <a:t>()</a:t>
+            </a:r>
+          </a:p>
+          <a:p>
+            <a:r>
+              <a:rPr lang="fr-FR" sz="1400" dirty="0" err="1"/>
+              <a:t>failed</a:t>
+            </a:r>
+            <a:r>
+              <a:rPr lang="fr-FR" sz="1400" dirty="0"/>
+              <a:t>()</a:t>
+            </a:r>
+          </a:p>
+        </p:txBody>
+      </p:sp>
+      <p:cxnSp>
+        <p:nvCxnSpPr>
+          <p:cNvPr id="50" name="Connecteur droit avec flèche 49"/>
+          <p:cNvCxnSpPr/>
+          <p:nvPr/>
+        </p:nvCxnSpPr>
+        <p:spPr>
+          <a:xfrm flipH="1">
+            <a:off x="6429375" y="5134992"/>
+            <a:ext cx="1578968" cy="0"/>
           </a:xfrm>
           <a:prstGeom prst="straightConnector1">
             <a:avLst/>
@@ -7164,23 +7984,22 @@
       </p:cxnSp>
       <p:cxnSp>
         <p:nvCxnSpPr>
-          <p:cNvPr id="63" name="Connecteur droit avec flèche 62"/>
+          <p:cNvPr id="52" name="Connecteur droit 51"/>
           <p:cNvCxnSpPr/>
           <p:nvPr/>
         </p:nvCxnSpPr>
         <p:spPr>
-          <a:xfrm flipV="1">
-            <a:off x="6800850" y="4086025"/>
-            <a:ext cx="1126239" cy="676475"/>
+          <a:xfrm flipH="1">
+            <a:off x="8008343" y="4829711"/>
+            <a:ext cx="82360" cy="305281"/>
           </a:xfrm>
-          <a:prstGeom prst="straightConnector1">
+          <a:prstGeom prst="line">
             <a:avLst/>
           </a:prstGeom>
           <a:ln>
             <a:solidFill>
               <a:schemeClr val="tx1"/>
             </a:solidFill>
-            <a:tailEnd type="triangle"/>
           </a:ln>
         </p:spPr>
         <p:style>
@@ -7200,50 +8019,14 @@
       </p:cxnSp>
       <p:cxnSp>
         <p:nvCxnSpPr>
-          <p:cNvPr id="70" name="Connecteur droit avec flèche 69"/>
+          <p:cNvPr id="57" name="Connecteur droit avec flèche 56"/>
           <p:cNvCxnSpPr/>
           <p:nvPr/>
         </p:nvCxnSpPr>
         <p:spPr>
           <a:xfrm flipH="1">
-            <a:off x="5981564" y="5044154"/>
-            <a:ext cx="2086111" cy="258748"/>
-          </a:xfrm>
-          <a:prstGeom prst="straightConnector1">
-            <a:avLst/>
-          </a:prstGeom>
-          <a:ln>
-            <a:solidFill>
-              <a:schemeClr val="tx1"/>
-            </a:solidFill>
-            <a:tailEnd type="triangle"/>
-          </a:ln>
-        </p:spPr>
-        <p:style>
-          <a:lnRef idx="1">
-            <a:schemeClr val="accent1"/>
-          </a:lnRef>
-          <a:fillRef idx="0">
-            <a:schemeClr val="accent1"/>
-          </a:fillRef>
-          <a:effectRef idx="0">
-            <a:schemeClr val="accent1"/>
-          </a:effectRef>
-          <a:fontRef idx="minor">
-            <a:schemeClr val="tx1"/>
-          </a:fontRef>
-        </p:style>
-      </p:cxnSp>
-      <p:cxnSp>
-        <p:nvCxnSpPr>
-          <p:cNvPr id="77" name="Connecteur droit avec flèche 76"/>
-          <p:cNvCxnSpPr/>
-          <p:nvPr/>
-        </p:nvCxnSpPr>
-        <p:spPr>
-          <a:xfrm flipH="1">
-            <a:off x="4543426" y="5584556"/>
-            <a:ext cx="3364612" cy="549544"/>
+            <a:off x="4488738" y="5943085"/>
+            <a:ext cx="3560785" cy="0"/>
           </a:xfrm>
           <a:prstGeom prst="straightConnector1">
             <a:avLst/>
@@ -7271,16 +8054,159 @@
           </a:fontRef>
         </p:style>
       </p:cxnSp>
+      <p:cxnSp>
+        <p:nvCxnSpPr>
+          <p:cNvPr id="67" name="Connecteur droit avec flèche 66"/>
+          <p:cNvCxnSpPr/>
+          <p:nvPr/>
+        </p:nvCxnSpPr>
+        <p:spPr>
+          <a:xfrm flipH="1" flipV="1">
+            <a:off x="2650133" y="4183326"/>
+            <a:ext cx="504264" cy="1160199"/>
+          </a:xfrm>
+          <a:prstGeom prst="straightConnector1">
+            <a:avLst/>
+          </a:prstGeom>
+          <a:ln>
+            <a:solidFill>
+              <a:srgbClr val="FF0000"/>
+            </a:solidFill>
+            <a:tailEnd type="triangle"/>
+          </a:ln>
+        </p:spPr>
+        <p:style>
+          <a:lnRef idx="1">
+            <a:schemeClr val="accent1"/>
+          </a:lnRef>
+          <a:fillRef idx="0">
+            <a:schemeClr val="accent1"/>
+          </a:fillRef>
+          <a:effectRef idx="0">
+            <a:schemeClr val="accent1"/>
+          </a:effectRef>
+          <a:fontRef idx="minor">
+            <a:schemeClr val="tx1"/>
+          </a:fontRef>
+        </p:style>
+      </p:cxnSp>
+      <p:cxnSp>
+        <p:nvCxnSpPr>
+          <p:cNvPr id="73" name="Connecteur droit 72"/>
+          <p:cNvCxnSpPr/>
+          <p:nvPr/>
+        </p:nvCxnSpPr>
+        <p:spPr>
+          <a:xfrm flipH="1">
+            <a:off x="3132484" y="5343525"/>
+            <a:ext cx="671471" cy="0"/>
+          </a:xfrm>
+          <a:prstGeom prst="line">
+            <a:avLst/>
+          </a:prstGeom>
+          <a:ln>
+            <a:solidFill>
+              <a:srgbClr val="FF0000"/>
+            </a:solidFill>
+          </a:ln>
+        </p:spPr>
+        <p:style>
+          <a:lnRef idx="1">
+            <a:schemeClr val="accent1"/>
+          </a:lnRef>
+          <a:fillRef idx="0">
+            <a:schemeClr val="accent1"/>
+          </a:fillRef>
+          <a:effectRef idx="0">
+            <a:schemeClr val="accent1"/>
+          </a:effectRef>
+          <a:fontRef idx="minor">
+            <a:schemeClr val="tx1"/>
+          </a:fontRef>
+        </p:style>
+      </p:cxnSp>
+      <p:cxnSp>
+        <p:nvCxnSpPr>
+          <p:cNvPr id="99" name="Connecteur droit avec flèche 98"/>
+          <p:cNvCxnSpPr/>
+          <p:nvPr/>
+        </p:nvCxnSpPr>
+        <p:spPr>
+          <a:xfrm flipV="1">
+            <a:off x="3198767" y="2294635"/>
+            <a:ext cx="605188" cy="276852"/>
+          </a:xfrm>
+          <a:prstGeom prst="straightConnector1">
+            <a:avLst/>
+          </a:prstGeom>
+          <a:ln>
+            <a:solidFill>
+              <a:srgbClr val="006600"/>
+            </a:solidFill>
+            <a:headEnd type="triangle" w="med" len="med"/>
+            <a:tailEnd type="triangle" w="med" len="med"/>
+          </a:ln>
+        </p:spPr>
+        <p:style>
+          <a:lnRef idx="1">
+            <a:schemeClr val="accent1"/>
+          </a:lnRef>
+          <a:fillRef idx="0">
+            <a:schemeClr val="accent1"/>
+          </a:fillRef>
+          <a:effectRef idx="0">
+            <a:schemeClr val="accent1"/>
+          </a:effectRef>
+          <a:fontRef idx="minor">
+            <a:schemeClr val="tx1"/>
+          </a:fontRef>
+        </p:style>
+      </p:cxnSp>
+      <p:cxnSp>
+        <p:nvCxnSpPr>
+          <p:cNvPr id="102" name="Connecteur droit 101"/>
+          <p:cNvCxnSpPr/>
+          <p:nvPr/>
+        </p:nvCxnSpPr>
+        <p:spPr>
+          <a:xfrm>
+            <a:off x="4637372" y="1232197"/>
+            <a:ext cx="2041729" cy="0"/>
+          </a:xfrm>
+          <a:prstGeom prst="line">
+            <a:avLst/>
+          </a:prstGeom>
+          <a:ln>
+            <a:solidFill>
+              <a:srgbClr val="FF0000"/>
+            </a:solidFill>
+          </a:ln>
+        </p:spPr>
+        <p:style>
+          <a:lnRef idx="1">
+            <a:schemeClr val="accent1"/>
+          </a:lnRef>
+          <a:fillRef idx="0">
+            <a:schemeClr val="accent1"/>
+          </a:fillRef>
+          <a:effectRef idx="0">
+            <a:schemeClr val="accent1"/>
+          </a:effectRef>
+          <a:fontRef idx="minor">
+            <a:schemeClr val="tx1"/>
+          </a:fontRef>
+        </p:style>
+      </p:cxnSp>
       <p:sp>
         <p:nvSpPr>
-          <p:cNvPr id="42" name="ZoneTexte 41"/>
+          <p:cNvPr id="105" name="ZoneTexte 104"/>
           <p:cNvSpPr txBox="1"/>
           <p:nvPr/>
         </p:nvSpPr>
         <p:spPr>
           <a:xfrm>
-            <a:off x="598831" y="3078368"/>
-            <a:ext cx="1988365" cy="307777"/>
+            <a:off x="1066523" y="5699977"/>
+            <a:ext cx="1071127" cy="369332"/>
           </a:xfrm>
           <a:prstGeom prst="rect">
             <a:avLst/>
@@ -7294,18 +8220,10 @@
           <a:lstStyle/>
           <a:p>
             <a:r>
-              <a:rPr lang="fr-FR" sz="1400" dirty="0" smtClean="0">
-                <a:solidFill>
-                  <a:srgbClr val="FF00FF"/>
-                </a:solidFill>
-              </a:rPr>
-              <a:t>Changes by DV July 2016</a:t>
-            </a:r>
-            <a:endParaRPr lang="fr-FR" sz="1200" dirty="0" smtClean="0">
-              <a:solidFill>
-                <a:srgbClr val="FF00FF"/>
-              </a:solidFill>
-            </a:endParaRPr>
+              <a:rPr lang="fr-FR" b="1" smtClean="0"/>
+              <a:t>July 2016</a:t>
+            </a:r>
+            <a:endParaRPr lang="fr-FR" b="1" dirty="0"/>
           </a:p>
         </p:txBody>
       </p:sp>
